--- a/analysis/submitted_analyses/attentional_choice_biases.pptx
+++ b/analysis/submitted_analyses/attentional_choice_biases.pptx
@@ -2,12 +2,12 @@
 <file path=ppt/presentation.xml><?xml version="1.0" encoding="utf-8"?>
 <p:presentation xmlns:a="http://schemas.openxmlformats.org/drawingml/2006/main" xmlns:r="http://schemas.openxmlformats.org/officeDocument/2006/relationships" xmlns:p="http://schemas.openxmlformats.org/presentationml/2006/main" saveSubsetFonts="1" autoCompressPictures="0">
   <p:sldMasterIdLst>
-    <p:sldMasterId id="2147483660" r:id="rId1"/>
+    <p:sldMasterId id="2147483684" r:id="rId1"/>
   </p:sldMasterIdLst>
   <p:sldIdLst>
     <p:sldId id="257" r:id="rId2"/>
   </p:sldIdLst>
-  <p:sldSz cx="5486400" cy="10972800"/>
+  <p:sldSz cx="16459200" cy="11430000"/>
   <p:notesSz cx="6858000" cy="9144000"/>
   <p:defaultTextStyle>
     <a:defPPr>
@@ -141,15 +141,15 @@
         </p:nvSpPr>
         <p:spPr>
           <a:xfrm>
-            <a:off x="411480" y="1795781"/>
-            <a:ext cx="4663440" cy="3820160"/>
+            <a:off x="1234440" y="1870605"/>
+            <a:ext cx="13990320" cy="3979333"/>
           </a:xfrm>
         </p:spPr>
         <p:txBody>
           <a:bodyPr anchor="b"/>
           <a:lstStyle>
             <a:lvl1pPr algn="ctr">
-              <a:defRPr sz="3600"/>
+              <a:defRPr sz="10000"/>
             </a:lvl1pPr>
           </a:lstStyle>
           <a:p>
@@ -173,8 +173,8 @@
         </p:nvSpPr>
         <p:spPr>
           <a:xfrm>
-            <a:off x="685800" y="5763261"/>
-            <a:ext cx="4114800" cy="2649219"/>
+            <a:off x="2057400" y="6003397"/>
+            <a:ext cx="12344400" cy="2759603"/>
           </a:xfrm>
         </p:spPr>
         <p:txBody>
@@ -182,39 +182,39 @@
           <a:lstStyle>
             <a:lvl1pPr marL="0" indent="0" algn="ctr">
               <a:buNone/>
-              <a:defRPr sz="1440"/>
+              <a:defRPr sz="4000"/>
             </a:lvl1pPr>
-            <a:lvl2pPr marL="274320" indent="0" algn="ctr">
-              <a:buNone/>
-              <a:defRPr sz="1200"/>
+            <a:lvl2pPr marL="762015" indent="0" algn="ctr">
+              <a:buNone/>
+              <a:defRPr sz="3333"/>
             </a:lvl2pPr>
-            <a:lvl3pPr marL="548640" indent="0" algn="ctr">
-              <a:buNone/>
-              <a:defRPr sz="1080"/>
+            <a:lvl3pPr marL="1524030" indent="0" algn="ctr">
+              <a:buNone/>
+              <a:defRPr sz="3000"/>
             </a:lvl3pPr>
-            <a:lvl4pPr marL="822960" indent="0" algn="ctr">
-              <a:buNone/>
-              <a:defRPr sz="960"/>
+            <a:lvl4pPr marL="2286046" indent="0" algn="ctr">
+              <a:buNone/>
+              <a:defRPr sz="2667"/>
             </a:lvl4pPr>
-            <a:lvl5pPr marL="1097280" indent="0" algn="ctr">
-              <a:buNone/>
-              <a:defRPr sz="960"/>
+            <a:lvl5pPr marL="3048061" indent="0" algn="ctr">
+              <a:buNone/>
+              <a:defRPr sz="2667"/>
             </a:lvl5pPr>
-            <a:lvl6pPr marL="1371600" indent="0" algn="ctr">
-              <a:buNone/>
-              <a:defRPr sz="960"/>
+            <a:lvl6pPr marL="3810076" indent="0" algn="ctr">
+              <a:buNone/>
+              <a:defRPr sz="2667"/>
             </a:lvl6pPr>
-            <a:lvl7pPr marL="1645920" indent="0" algn="ctr">
-              <a:buNone/>
-              <a:defRPr sz="960"/>
+            <a:lvl7pPr marL="4572091" indent="0" algn="ctr">
+              <a:buNone/>
+              <a:defRPr sz="2667"/>
             </a:lvl7pPr>
-            <a:lvl8pPr marL="1920240" indent="0" algn="ctr">
-              <a:buNone/>
-              <a:defRPr sz="960"/>
+            <a:lvl8pPr marL="5334107" indent="0" algn="ctr">
+              <a:buNone/>
+              <a:defRPr sz="2667"/>
             </a:lvl8pPr>
-            <a:lvl9pPr marL="2194560" indent="0" algn="ctr">
-              <a:buNone/>
-              <a:defRPr sz="960"/>
+            <a:lvl9pPr marL="6096122" indent="0" algn="ctr">
+              <a:buNone/>
+              <a:defRPr sz="2667"/>
             </a:lvl9pPr>
           </a:lstStyle>
           <a:p>
@@ -243,7 +243,7 @@
           <a:p>
             <a:fld id="{CFC60B5F-2253-DF41-8690-61B53F1555CE}" type="datetimeFigureOut">
               <a:rPr lang="en-US" smtClean="0"/>
-              <a:t>1/29/24</a:t>
+              <a:t>6/14/24</a:t>
             </a:fld>
             <a:endParaRPr lang="en-US"/>
           </a:p>
@@ -294,7 +294,7 @@
     </p:spTree>
     <p:extLst>
       <p:ext uri="{BB962C8B-B14F-4D97-AF65-F5344CB8AC3E}">
-        <p14:creationId xmlns:p14="http://schemas.microsoft.com/office/powerpoint/2010/main" val="2333743379"/>
+        <p14:creationId xmlns:p14="http://schemas.microsoft.com/office/powerpoint/2010/main" val="2601182167"/>
       </p:ext>
     </p:extLst>
   </p:cSld>
@@ -413,7 +413,7 @@
           <a:p>
             <a:fld id="{CFC60B5F-2253-DF41-8690-61B53F1555CE}" type="datetimeFigureOut">
               <a:rPr lang="en-US" smtClean="0"/>
-              <a:t>1/29/24</a:t>
+              <a:t>6/14/24</a:t>
             </a:fld>
             <a:endParaRPr lang="en-US"/>
           </a:p>
@@ -464,7 +464,7 @@
     </p:spTree>
     <p:extLst>
       <p:ext uri="{BB962C8B-B14F-4D97-AF65-F5344CB8AC3E}">
-        <p14:creationId xmlns:p14="http://schemas.microsoft.com/office/powerpoint/2010/main" val="2510696380"/>
+        <p14:creationId xmlns:p14="http://schemas.microsoft.com/office/powerpoint/2010/main" val="853774185"/>
       </p:ext>
     </p:extLst>
   </p:cSld>
@@ -503,8 +503,8 @@
         </p:nvSpPr>
         <p:spPr>
           <a:xfrm>
-            <a:off x="3926205" y="584200"/>
-            <a:ext cx="1183005" cy="9298941"/>
+            <a:off x="11778616" y="608541"/>
+            <a:ext cx="3549015" cy="9686397"/>
           </a:xfrm>
         </p:spPr>
         <p:txBody>
@@ -531,8 +531,8 @@
         </p:nvSpPr>
         <p:spPr>
           <a:xfrm>
-            <a:off x="377190" y="584200"/>
-            <a:ext cx="3480435" cy="9298941"/>
+            <a:off x="1131571" y="608541"/>
+            <a:ext cx="10441305" cy="9686397"/>
           </a:xfrm>
         </p:spPr>
         <p:txBody>
@@ -593,7 +593,7 @@
           <a:p>
             <a:fld id="{CFC60B5F-2253-DF41-8690-61B53F1555CE}" type="datetimeFigureOut">
               <a:rPr lang="en-US" smtClean="0"/>
-              <a:t>1/29/24</a:t>
+              <a:t>6/14/24</a:t>
             </a:fld>
             <a:endParaRPr lang="en-US"/>
           </a:p>
@@ -644,7 +644,7 @@
     </p:spTree>
     <p:extLst>
       <p:ext uri="{BB962C8B-B14F-4D97-AF65-F5344CB8AC3E}">
-        <p14:creationId xmlns:p14="http://schemas.microsoft.com/office/powerpoint/2010/main" val="1203120749"/>
+        <p14:creationId xmlns:p14="http://schemas.microsoft.com/office/powerpoint/2010/main" val="1138343423"/>
       </p:ext>
     </p:extLst>
   </p:cSld>
@@ -763,7 +763,7 @@
           <a:p>
             <a:fld id="{CFC60B5F-2253-DF41-8690-61B53F1555CE}" type="datetimeFigureOut">
               <a:rPr lang="en-US" smtClean="0"/>
-              <a:t>1/29/24</a:t>
+              <a:t>6/14/24</a:t>
             </a:fld>
             <a:endParaRPr lang="en-US"/>
           </a:p>
@@ -814,7 +814,7 @@
     </p:spTree>
     <p:extLst>
       <p:ext uri="{BB962C8B-B14F-4D97-AF65-F5344CB8AC3E}">
-        <p14:creationId xmlns:p14="http://schemas.microsoft.com/office/powerpoint/2010/main" val="971966117"/>
+        <p14:creationId xmlns:p14="http://schemas.microsoft.com/office/powerpoint/2010/main" val="2558003282"/>
       </p:ext>
     </p:extLst>
   </p:cSld>
@@ -853,15 +853,15 @@
         </p:nvSpPr>
         <p:spPr>
           <a:xfrm>
-            <a:off x="374333" y="2735583"/>
-            <a:ext cx="4732020" cy="4564379"/>
+            <a:off x="1122998" y="2849566"/>
+            <a:ext cx="14196060" cy="4754562"/>
           </a:xfrm>
         </p:spPr>
         <p:txBody>
           <a:bodyPr anchor="b"/>
           <a:lstStyle>
             <a:lvl1pPr>
-              <a:defRPr sz="3600"/>
+              <a:defRPr sz="10000"/>
             </a:lvl1pPr>
           </a:lstStyle>
           <a:p>
@@ -885,8 +885,8 @@
         </p:nvSpPr>
         <p:spPr>
           <a:xfrm>
-            <a:off x="374333" y="7343143"/>
-            <a:ext cx="4732020" cy="2400299"/>
+            <a:off x="1122998" y="7649107"/>
+            <a:ext cx="14196060" cy="2500312"/>
           </a:xfrm>
         </p:spPr>
         <p:txBody>
@@ -894,15 +894,15 @@
           <a:lstStyle>
             <a:lvl1pPr marL="0" indent="0">
               <a:buNone/>
-              <a:defRPr sz="1440">
+              <a:defRPr sz="4000">
                 <a:solidFill>
                   <a:schemeClr val="tx1"/>
                 </a:solidFill>
               </a:defRPr>
             </a:lvl1pPr>
-            <a:lvl2pPr marL="274320" indent="0">
-              <a:buNone/>
-              <a:defRPr sz="1200">
+            <a:lvl2pPr marL="762015" indent="0">
+              <a:buNone/>
+              <a:defRPr sz="3333">
                 <a:solidFill>
                   <a:schemeClr val="tx1">
                     <a:tint val="75000"/>
@@ -910,9 +910,9 @@
                 </a:solidFill>
               </a:defRPr>
             </a:lvl2pPr>
-            <a:lvl3pPr marL="548640" indent="0">
-              <a:buNone/>
-              <a:defRPr sz="1080">
+            <a:lvl3pPr marL="1524030" indent="0">
+              <a:buNone/>
+              <a:defRPr sz="3000">
                 <a:solidFill>
                   <a:schemeClr val="tx1">
                     <a:tint val="75000"/>
@@ -920,9 +920,9 @@
                 </a:solidFill>
               </a:defRPr>
             </a:lvl3pPr>
-            <a:lvl4pPr marL="822960" indent="0">
-              <a:buNone/>
-              <a:defRPr sz="960">
+            <a:lvl4pPr marL="2286046" indent="0">
+              <a:buNone/>
+              <a:defRPr sz="2667">
                 <a:solidFill>
                   <a:schemeClr val="tx1">
                     <a:tint val="75000"/>
@@ -930,9 +930,9 @@
                 </a:solidFill>
               </a:defRPr>
             </a:lvl4pPr>
-            <a:lvl5pPr marL="1097280" indent="0">
-              <a:buNone/>
-              <a:defRPr sz="960">
+            <a:lvl5pPr marL="3048061" indent="0">
+              <a:buNone/>
+              <a:defRPr sz="2667">
                 <a:solidFill>
                   <a:schemeClr val="tx1">
                     <a:tint val="75000"/>
@@ -940,9 +940,9 @@
                 </a:solidFill>
               </a:defRPr>
             </a:lvl5pPr>
-            <a:lvl6pPr marL="1371600" indent="0">
-              <a:buNone/>
-              <a:defRPr sz="960">
+            <a:lvl6pPr marL="3810076" indent="0">
+              <a:buNone/>
+              <a:defRPr sz="2667">
                 <a:solidFill>
                   <a:schemeClr val="tx1">
                     <a:tint val="75000"/>
@@ -950,9 +950,9 @@
                 </a:solidFill>
               </a:defRPr>
             </a:lvl6pPr>
-            <a:lvl7pPr marL="1645920" indent="0">
-              <a:buNone/>
-              <a:defRPr sz="960">
+            <a:lvl7pPr marL="4572091" indent="0">
+              <a:buNone/>
+              <a:defRPr sz="2667">
                 <a:solidFill>
                   <a:schemeClr val="tx1">
                     <a:tint val="75000"/>
@@ -960,9 +960,9 @@
                 </a:solidFill>
               </a:defRPr>
             </a:lvl7pPr>
-            <a:lvl8pPr marL="1920240" indent="0">
-              <a:buNone/>
-              <a:defRPr sz="960">
+            <a:lvl8pPr marL="5334107" indent="0">
+              <a:buNone/>
+              <a:defRPr sz="2667">
                 <a:solidFill>
                   <a:schemeClr val="tx1">
                     <a:tint val="75000"/>
@@ -970,9 +970,9 @@
                 </a:solidFill>
               </a:defRPr>
             </a:lvl8pPr>
-            <a:lvl9pPr marL="2194560" indent="0">
-              <a:buNone/>
-              <a:defRPr sz="960">
+            <a:lvl9pPr marL="6096122" indent="0">
+              <a:buNone/>
+              <a:defRPr sz="2667">
                 <a:solidFill>
                   <a:schemeClr val="tx1">
                     <a:tint val="75000"/>
@@ -1007,7 +1007,7 @@
           <a:p>
             <a:fld id="{CFC60B5F-2253-DF41-8690-61B53F1555CE}" type="datetimeFigureOut">
               <a:rPr lang="en-US" smtClean="0"/>
-              <a:t>1/29/24</a:t>
+              <a:t>6/14/24</a:t>
             </a:fld>
             <a:endParaRPr lang="en-US"/>
           </a:p>
@@ -1058,7 +1058,7 @@
     </p:spTree>
     <p:extLst>
       <p:ext uri="{BB962C8B-B14F-4D97-AF65-F5344CB8AC3E}">
-        <p14:creationId xmlns:p14="http://schemas.microsoft.com/office/powerpoint/2010/main" val="3354559015"/>
+        <p14:creationId xmlns:p14="http://schemas.microsoft.com/office/powerpoint/2010/main" val="1104442612"/>
       </p:ext>
     </p:extLst>
   </p:cSld>
@@ -1120,8 +1120,8 @@
         </p:nvSpPr>
         <p:spPr>
           <a:xfrm>
-            <a:off x="377190" y="2921000"/>
-            <a:ext cx="2331720" cy="6962141"/>
+            <a:off x="1131570" y="3042708"/>
+            <a:ext cx="6995160" cy="7252230"/>
           </a:xfrm>
         </p:spPr>
         <p:txBody>
@@ -1177,8 +1177,8 @@
         </p:nvSpPr>
         <p:spPr>
           <a:xfrm>
-            <a:off x="2777490" y="2921000"/>
-            <a:ext cx="2331720" cy="6962141"/>
+            <a:off x="8332470" y="3042708"/>
+            <a:ext cx="6995160" cy="7252230"/>
           </a:xfrm>
         </p:spPr>
         <p:txBody>
@@ -1239,7 +1239,7 @@
           <a:p>
             <a:fld id="{CFC60B5F-2253-DF41-8690-61B53F1555CE}" type="datetimeFigureOut">
               <a:rPr lang="en-US" smtClean="0"/>
-              <a:t>1/29/24</a:t>
+              <a:t>6/14/24</a:t>
             </a:fld>
             <a:endParaRPr lang="en-US"/>
           </a:p>
@@ -1290,7 +1290,7 @@
     </p:spTree>
     <p:extLst>
       <p:ext uri="{BB962C8B-B14F-4D97-AF65-F5344CB8AC3E}">
-        <p14:creationId xmlns:p14="http://schemas.microsoft.com/office/powerpoint/2010/main" val="1391485984"/>
+        <p14:creationId xmlns:p14="http://schemas.microsoft.com/office/powerpoint/2010/main" val="2435657852"/>
       </p:ext>
     </p:extLst>
   </p:cSld>
@@ -1329,8 +1329,8 @@
         </p:nvSpPr>
         <p:spPr>
           <a:xfrm>
-            <a:off x="377905" y="584202"/>
-            <a:ext cx="4732020" cy="2120901"/>
+            <a:off x="1133714" y="608544"/>
+            <a:ext cx="14196060" cy="2209272"/>
           </a:xfrm>
         </p:spPr>
         <p:txBody>
@@ -1357,8 +1357,8 @@
         </p:nvSpPr>
         <p:spPr>
           <a:xfrm>
-            <a:off x="377905" y="2689861"/>
-            <a:ext cx="2321004" cy="1318259"/>
+            <a:off x="1133716" y="2801938"/>
+            <a:ext cx="6963012" cy="1373187"/>
           </a:xfrm>
         </p:spPr>
         <p:txBody>
@@ -1366,39 +1366,39 @@
           <a:lstStyle>
             <a:lvl1pPr marL="0" indent="0">
               <a:buNone/>
-              <a:defRPr sz="1440" b="1"/>
+              <a:defRPr sz="4000" b="1"/>
             </a:lvl1pPr>
-            <a:lvl2pPr marL="274320" indent="0">
-              <a:buNone/>
-              <a:defRPr sz="1200" b="1"/>
+            <a:lvl2pPr marL="762015" indent="0">
+              <a:buNone/>
+              <a:defRPr sz="3333" b="1"/>
             </a:lvl2pPr>
-            <a:lvl3pPr marL="548640" indent="0">
-              <a:buNone/>
-              <a:defRPr sz="1080" b="1"/>
+            <a:lvl3pPr marL="1524030" indent="0">
+              <a:buNone/>
+              <a:defRPr sz="3000" b="1"/>
             </a:lvl3pPr>
-            <a:lvl4pPr marL="822960" indent="0">
-              <a:buNone/>
-              <a:defRPr sz="960" b="1"/>
+            <a:lvl4pPr marL="2286046" indent="0">
+              <a:buNone/>
+              <a:defRPr sz="2667" b="1"/>
             </a:lvl4pPr>
-            <a:lvl5pPr marL="1097280" indent="0">
-              <a:buNone/>
-              <a:defRPr sz="960" b="1"/>
+            <a:lvl5pPr marL="3048061" indent="0">
+              <a:buNone/>
+              <a:defRPr sz="2667" b="1"/>
             </a:lvl5pPr>
-            <a:lvl6pPr marL="1371600" indent="0">
-              <a:buNone/>
-              <a:defRPr sz="960" b="1"/>
+            <a:lvl6pPr marL="3810076" indent="0">
+              <a:buNone/>
+              <a:defRPr sz="2667" b="1"/>
             </a:lvl6pPr>
-            <a:lvl7pPr marL="1645920" indent="0">
-              <a:buNone/>
-              <a:defRPr sz="960" b="1"/>
+            <a:lvl7pPr marL="4572091" indent="0">
+              <a:buNone/>
+              <a:defRPr sz="2667" b="1"/>
             </a:lvl7pPr>
-            <a:lvl8pPr marL="1920240" indent="0">
-              <a:buNone/>
-              <a:defRPr sz="960" b="1"/>
+            <a:lvl8pPr marL="5334107" indent="0">
+              <a:buNone/>
+              <a:defRPr sz="2667" b="1"/>
             </a:lvl8pPr>
-            <a:lvl9pPr marL="2194560" indent="0">
-              <a:buNone/>
-              <a:defRPr sz="960" b="1"/>
+            <a:lvl9pPr marL="6096122" indent="0">
+              <a:buNone/>
+              <a:defRPr sz="2667" b="1"/>
             </a:lvl9pPr>
           </a:lstStyle>
           <a:p>
@@ -1422,8 +1422,8 @@
         </p:nvSpPr>
         <p:spPr>
           <a:xfrm>
-            <a:off x="377905" y="4008120"/>
-            <a:ext cx="2321004" cy="5895341"/>
+            <a:off x="1133716" y="4175125"/>
+            <a:ext cx="6963012" cy="6140980"/>
           </a:xfrm>
         </p:spPr>
         <p:txBody>
@@ -1479,8 +1479,8 @@
         </p:nvSpPr>
         <p:spPr>
           <a:xfrm>
-            <a:off x="2777490" y="2689861"/>
-            <a:ext cx="2332435" cy="1318259"/>
+            <a:off x="8332471" y="2801938"/>
+            <a:ext cx="6997304" cy="1373187"/>
           </a:xfrm>
         </p:spPr>
         <p:txBody>
@@ -1488,39 +1488,39 @@
           <a:lstStyle>
             <a:lvl1pPr marL="0" indent="0">
               <a:buNone/>
-              <a:defRPr sz="1440" b="1"/>
+              <a:defRPr sz="4000" b="1"/>
             </a:lvl1pPr>
-            <a:lvl2pPr marL="274320" indent="0">
-              <a:buNone/>
-              <a:defRPr sz="1200" b="1"/>
+            <a:lvl2pPr marL="762015" indent="0">
+              <a:buNone/>
+              <a:defRPr sz="3333" b="1"/>
             </a:lvl2pPr>
-            <a:lvl3pPr marL="548640" indent="0">
-              <a:buNone/>
-              <a:defRPr sz="1080" b="1"/>
+            <a:lvl3pPr marL="1524030" indent="0">
+              <a:buNone/>
+              <a:defRPr sz="3000" b="1"/>
             </a:lvl3pPr>
-            <a:lvl4pPr marL="822960" indent="0">
-              <a:buNone/>
-              <a:defRPr sz="960" b="1"/>
+            <a:lvl4pPr marL="2286046" indent="0">
+              <a:buNone/>
+              <a:defRPr sz="2667" b="1"/>
             </a:lvl4pPr>
-            <a:lvl5pPr marL="1097280" indent="0">
-              <a:buNone/>
-              <a:defRPr sz="960" b="1"/>
+            <a:lvl5pPr marL="3048061" indent="0">
+              <a:buNone/>
+              <a:defRPr sz="2667" b="1"/>
             </a:lvl5pPr>
-            <a:lvl6pPr marL="1371600" indent="0">
-              <a:buNone/>
-              <a:defRPr sz="960" b="1"/>
+            <a:lvl6pPr marL="3810076" indent="0">
+              <a:buNone/>
+              <a:defRPr sz="2667" b="1"/>
             </a:lvl6pPr>
-            <a:lvl7pPr marL="1645920" indent="0">
-              <a:buNone/>
-              <a:defRPr sz="960" b="1"/>
+            <a:lvl7pPr marL="4572091" indent="0">
+              <a:buNone/>
+              <a:defRPr sz="2667" b="1"/>
             </a:lvl7pPr>
-            <a:lvl8pPr marL="1920240" indent="0">
-              <a:buNone/>
-              <a:defRPr sz="960" b="1"/>
+            <a:lvl8pPr marL="5334107" indent="0">
+              <a:buNone/>
+              <a:defRPr sz="2667" b="1"/>
             </a:lvl8pPr>
-            <a:lvl9pPr marL="2194560" indent="0">
-              <a:buNone/>
-              <a:defRPr sz="960" b="1"/>
+            <a:lvl9pPr marL="6096122" indent="0">
+              <a:buNone/>
+              <a:defRPr sz="2667" b="1"/>
             </a:lvl9pPr>
           </a:lstStyle>
           <a:p>
@@ -1544,8 +1544,8 @@
         </p:nvSpPr>
         <p:spPr>
           <a:xfrm>
-            <a:off x="2777490" y="4008120"/>
-            <a:ext cx="2332435" cy="5895341"/>
+            <a:off x="8332471" y="4175125"/>
+            <a:ext cx="6997304" cy="6140980"/>
           </a:xfrm>
         </p:spPr>
         <p:txBody>
@@ -1606,7 +1606,7 @@
           <a:p>
             <a:fld id="{CFC60B5F-2253-DF41-8690-61B53F1555CE}" type="datetimeFigureOut">
               <a:rPr lang="en-US" smtClean="0"/>
-              <a:t>1/29/24</a:t>
+              <a:t>6/14/24</a:t>
             </a:fld>
             <a:endParaRPr lang="en-US"/>
           </a:p>
@@ -1657,7 +1657,7 @@
     </p:spTree>
     <p:extLst>
       <p:ext uri="{BB962C8B-B14F-4D97-AF65-F5344CB8AC3E}">
-        <p14:creationId xmlns:p14="http://schemas.microsoft.com/office/powerpoint/2010/main" val="189144510"/>
+        <p14:creationId xmlns:p14="http://schemas.microsoft.com/office/powerpoint/2010/main" val="3485230942"/>
       </p:ext>
     </p:extLst>
   </p:cSld>
@@ -1724,7 +1724,7 @@
           <a:p>
             <a:fld id="{CFC60B5F-2253-DF41-8690-61B53F1555CE}" type="datetimeFigureOut">
               <a:rPr lang="en-US" smtClean="0"/>
-              <a:t>1/29/24</a:t>
+              <a:t>6/14/24</a:t>
             </a:fld>
             <a:endParaRPr lang="en-US"/>
           </a:p>
@@ -1775,7 +1775,7 @@
     </p:spTree>
     <p:extLst>
       <p:ext uri="{BB962C8B-B14F-4D97-AF65-F5344CB8AC3E}">
-        <p14:creationId xmlns:p14="http://schemas.microsoft.com/office/powerpoint/2010/main" val="1562713241"/>
+        <p14:creationId xmlns:p14="http://schemas.microsoft.com/office/powerpoint/2010/main" val="2116683119"/>
       </p:ext>
     </p:extLst>
   </p:cSld>
@@ -1819,7 +1819,7 @@
           <a:p>
             <a:fld id="{CFC60B5F-2253-DF41-8690-61B53F1555CE}" type="datetimeFigureOut">
               <a:rPr lang="en-US" smtClean="0"/>
-              <a:t>1/29/24</a:t>
+              <a:t>6/14/24</a:t>
             </a:fld>
             <a:endParaRPr lang="en-US"/>
           </a:p>
@@ -1870,7 +1870,7 @@
     </p:spTree>
     <p:extLst>
       <p:ext uri="{BB962C8B-B14F-4D97-AF65-F5344CB8AC3E}">
-        <p14:creationId xmlns:p14="http://schemas.microsoft.com/office/powerpoint/2010/main" val="138722453"/>
+        <p14:creationId xmlns:p14="http://schemas.microsoft.com/office/powerpoint/2010/main" val="3370559800"/>
       </p:ext>
     </p:extLst>
   </p:cSld>
@@ -1909,15 +1909,15 @@
         </p:nvSpPr>
         <p:spPr>
           <a:xfrm>
-            <a:off x="377905" y="731520"/>
-            <a:ext cx="1769507" cy="2560320"/>
+            <a:off x="1133714" y="762000"/>
+            <a:ext cx="5308520" cy="2667000"/>
           </a:xfrm>
         </p:spPr>
         <p:txBody>
           <a:bodyPr anchor="b"/>
           <a:lstStyle>
             <a:lvl1pPr>
-              <a:defRPr sz="1920"/>
+              <a:defRPr sz="5333"/>
             </a:lvl1pPr>
           </a:lstStyle>
           <a:p>
@@ -1941,39 +1941,39 @@
         </p:nvSpPr>
         <p:spPr>
           <a:xfrm>
-            <a:off x="2332435" y="1579882"/>
-            <a:ext cx="2777490" cy="7797800"/>
+            <a:off x="6997304" y="1645711"/>
+            <a:ext cx="8332470" cy="8122708"/>
           </a:xfrm>
         </p:spPr>
         <p:txBody>
           <a:bodyPr/>
           <a:lstStyle>
             <a:lvl1pPr>
-              <a:defRPr sz="1920"/>
+              <a:defRPr sz="5333"/>
             </a:lvl1pPr>
             <a:lvl2pPr>
-              <a:defRPr sz="1680"/>
+              <a:defRPr sz="4667"/>
             </a:lvl2pPr>
             <a:lvl3pPr>
-              <a:defRPr sz="1440"/>
+              <a:defRPr sz="4000"/>
             </a:lvl3pPr>
             <a:lvl4pPr>
-              <a:defRPr sz="1200"/>
+              <a:defRPr sz="3333"/>
             </a:lvl4pPr>
             <a:lvl5pPr>
-              <a:defRPr sz="1200"/>
+              <a:defRPr sz="3333"/>
             </a:lvl5pPr>
             <a:lvl6pPr>
-              <a:defRPr sz="1200"/>
+              <a:defRPr sz="3333"/>
             </a:lvl6pPr>
             <a:lvl7pPr>
-              <a:defRPr sz="1200"/>
+              <a:defRPr sz="3333"/>
             </a:lvl7pPr>
             <a:lvl8pPr>
-              <a:defRPr sz="1200"/>
+              <a:defRPr sz="3333"/>
             </a:lvl8pPr>
             <a:lvl9pPr>
-              <a:defRPr sz="1200"/>
+              <a:defRPr sz="3333"/>
             </a:lvl9pPr>
           </a:lstStyle>
           <a:p>
@@ -2026,8 +2026,8 @@
         </p:nvSpPr>
         <p:spPr>
           <a:xfrm>
-            <a:off x="377905" y="3291840"/>
-            <a:ext cx="1769507" cy="6098541"/>
+            <a:off x="1133714" y="3429000"/>
+            <a:ext cx="5308520" cy="6352647"/>
           </a:xfrm>
         </p:spPr>
         <p:txBody>
@@ -2035,39 +2035,39 @@
           <a:lstStyle>
             <a:lvl1pPr marL="0" indent="0">
               <a:buNone/>
-              <a:defRPr sz="960"/>
+              <a:defRPr sz="2667"/>
             </a:lvl1pPr>
-            <a:lvl2pPr marL="274320" indent="0">
-              <a:buNone/>
-              <a:defRPr sz="840"/>
+            <a:lvl2pPr marL="762015" indent="0">
+              <a:buNone/>
+              <a:defRPr sz="2333"/>
             </a:lvl2pPr>
-            <a:lvl3pPr marL="548640" indent="0">
-              <a:buNone/>
-              <a:defRPr sz="720"/>
+            <a:lvl3pPr marL="1524030" indent="0">
+              <a:buNone/>
+              <a:defRPr sz="2000"/>
             </a:lvl3pPr>
-            <a:lvl4pPr marL="822960" indent="0">
-              <a:buNone/>
-              <a:defRPr sz="600"/>
+            <a:lvl4pPr marL="2286046" indent="0">
+              <a:buNone/>
+              <a:defRPr sz="1667"/>
             </a:lvl4pPr>
-            <a:lvl5pPr marL="1097280" indent="0">
-              <a:buNone/>
-              <a:defRPr sz="600"/>
+            <a:lvl5pPr marL="3048061" indent="0">
+              <a:buNone/>
+              <a:defRPr sz="1667"/>
             </a:lvl5pPr>
-            <a:lvl6pPr marL="1371600" indent="0">
-              <a:buNone/>
-              <a:defRPr sz="600"/>
+            <a:lvl6pPr marL="3810076" indent="0">
+              <a:buNone/>
+              <a:defRPr sz="1667"/>
             </a:lvl6pPr>
-            <a:lvl7pPr marL="1645920" indent="0">
-              <a:buNone/>
-              <a:defRPr sz="600"/>
+            <a:lvl7pPr marL="4572091" indent="0">
+              <a:buNone/>
+              <a:defRPr sz="1667"/>
             </a:lvl7pPr>
-            <a:lvl8pPr marL="1920240" indent="0">
-              <a:buNone/>
-              <a:defRPr sz="600"/>
+            <a:lvl8pPr marL="5334107" indent="0">
+              <a:buNone/>
+              <a:defRPr sz="1667"/>
             </a:lvl8pPr>
-            <a:lvl9pPr marL="2194560" indent="0">
-              <a:buNone/>
-              <a:defRPr sz="600"/>
+            <a:lvl9pPr marL="6096122" indent="0">
+              <a:buNone/>
+              <a:defRPr sz="1667"/>
             </a:lvl9pPr>
           </a:lstStyle>
           <a:p>
@@ -2096,7 +2096,7 @@
           <a:p>
             <a:fld id="{CFC60B5F-2253-DF41-8690-61B53F1555CE}" type="datetimeFigureOut">
               <a:rPr lang="en-US" smtClean="0"/>
-              <a:t>1/29/24</a:t>
+              <a:t>6/14/24</a:t>
             </a:fld>
             <a:endParaRPr lang="en-US"/>
           </a:p>
@@ -2147,7 +2147,7 @@
     </p:spTree>
     <p:extLst>
       <p:ext uri="{BB962C8B-B14F-4D97-AF65-F5344CB8AC3E}">
-        <p14:creationId xmlns:p14="http://schemas.microsoft.com/office/powerpoint/2010/main" val="2525238704"/>
+        <p14:creationId xmlns:p14="http://schemas.microsoft.com/office/powerpoint/2010/main" val="553167814"/>
       </p:ext>
     </p:extLst>
   </p:cSld>
@@ -2186,15 +2186,15 @@
         </p:nvSpPr>
         <p:spPr>
           <a:xfrm>
-            <a:off x="377905" y="731520"/>
-            <a:ext cx="1769507" cy="2560320"/>
+            <a:off x="1133714" y="762000"/>
+            <a:ext cx="5308520" cy="2667000"/>
           </a:xfrm>
         </p:spPr>
         <p:txBody>
           <a:bodyPr anchor="b"/>
           <a:lstStyle>
             <a:lvl1pPr>
-              <a:defRPr sz="1920"/>
+              <a:defRPr sz="5333"/>
             </a:lvl1pPr>
           </a:lstStyle>
           <a:p>
@@ -2218,8 +2218,8 @@
         </p:nvSpPr>
         <p:spPr>
           <a:xfrm>
-            <a:off x="2332435" y="1579882"/>
-            <a:ext cx="2777490" cy="7797800"/>
+            <a:off x="6997304" y="1645711"/>
+            <a:ext cx="8332470" cy="8122708"/>
           </a:xfrm>
         </p:spPr>
         <p:txBody>
@@ -2227,39 +2227,39 @@
           <a:lstStyle>
             <a:lvl1pPr marL="0" indent="0">
               <a:buNone/>
-              <a:defRPr sz="1920"/>
+              <a:defRPr sz="5333"/>
             </a:lvl1pPr>
-            <a:lvl2pPr marL="274320" indent="0">
-              <a:buNone/>
-              <a:defRPr sz="1680"/>
+            <a:lvl2pPr marL="762015" indent="0">
+              <a:buNone/>
+              <a:defRPr sz="4667"/>
             </a:lvl2pPr>
-            <a:lvl3pPr marL="548640" indent="0">
-              <a:buNone/>
-              <a:defRPr sz="1440"/>
+            <a:lvl3pPr marL="1524030" indent="0">
+              <a:buNone/>
+              <a:defRPr sz="4000"/>
             </a:lvl3pPr>
-            <a:lvl4pPr marL="822960" indent="0">
-              <a:buNone/>
-              <a:defRPr sz="1200"/>
+            <a:lvl4pPr marL="2286046" indent="0">
+              <a:buNone/>
+              <a:defRPr sz="3333"/>
             </a:lvl4pPr>
-            <a:lvl5pPr marL="1097280" indent="0">
-              <a:buNone/>
-              <a:defRPr sz="1200"/>
+            <a:lvl5pPr marL="3048061" indent="0">
+              <a:buNone/>
+              <a:defRPr sz="3333"/>
             </a:lvl5pPr>
-            <a:lvl6pPr marL="1371600" indent="0">
-              <a:buNone/>
-              <a:defRPr sz="1200"/>
+            <a:lvl6pPr marL="3810076" indent="0">
+              <a:buNone/>
+              <a:defRPr sz="3333"/>
             </a:lvl6pPr>
-            <a:lvl7pPr marL="1645920" indent="0">
-              <a:buNone/>
-              <a:defRPr sz="1200"/>
+            <a:lvl7pPr marL="4572091" indent="0">
+              <a:buNone/>
+              <a:defRPr sz="3333"/>
             </a:lvl7pPr>
-            <a:lvl8pPr marL="1920240" indent="0">
-              <a:buNone/>
-              <a:defRPr sz="1200"/>
+            <a:lvl8pPr marL="5334107" indent="0">
+              <a:buNone/>
+              <a:defRPr sz="3333"/>
             </a:lvl8pPr>
-            <a:lvl9pPr marL="2194560" indent="0">
-              <a:buNone/>
-              <a:defRPr sz="1200"/>
+            <a:lvl9pPr marL="6096122" indent="0">
+              <a:buNone/>
+              <a:defRPr sz="3333"/>
             </a:lvl9pPr>
           </a:lstStyle>
           <a:p>
@@ -2283,8 +2283,8 @@
         </p:nvSpPr>
         <p:spPr>
           <a:xfrm>
-            <a:off x="377905" y="3291840"/>
-            <a:ext cx="1769507" cy="6098541"/>
+            <a:off x="1133714" y="3429000"/>
+            <a:ext cx="5308520" cy="6352647"/>
           </a:xfrm>
         </p:spPr>
         <p:txBody>
@@ -2292,39 +2292,39 @@
           <a:lstStyle>
             <a:lvl1pPr marL="0" indent="0">
               <a:buNone/>
-              <a:defRPr sz="960"/>
+              <a:defRPr sz="2667"/>
             </a:lvl1pPr>
-            <a:lvl2pPr marL="274320" indent="0">
-              <a:buNone/>
-              <a:defRPr sz="840"/>
+            <a:lvl2pPr marL="762015" indent="0">
+              <a:buNone/>
+              <a:defRPr sz="2333"/>
             </a:lvl2pPr>
-            <a:lvl3pPr marL="548640" indent="0">
-              <a:buNone/>
-              <a:defRPr sz="720"/>
+            <a:lvl3pPr marL="1524030" indent="0">
+              <a:buNone/>
+              <a:defRPr sz="2000"/>
             </a:lvl3pPr>
-            <a:lvl4pPr marL="822960" indent="0">
-              <a:buNone/>
-              <a:defRPr sz="600"/>
+            <a:lvl4pPr marL="2286046" indent="0">
+              <a:buNone/>
+              <a:defRPr sz="1667"/>
             </a:lvl4pPr>
-            <a:lvl5pPr marL="1097280" indent="0">
-              <a:buNone/>
-              <a:defRPr sz="600"/>
+            <a:lvl5pPr marL="3048061" indent="0">
+              <a:buNone/>
+              <a:defRPr sz="1667"/>
             </a:lvl5pPr>
-            <a:lvl6pPr marL="1371600" indent="0">
-              <a:buNone/>
-              <a:defRPr sz="600"/>
+            <a:lvl6pPr marL="3810076" indent="0">
+              <a:buNone/>
+              <a:defRPr sz="1667"/>
             </a:lvl6pPr>
-            <a:lvl7pPr marL="1645920" indent="0">
-              <a:buNone/>
-              <a:defRPr sz="600"/>
+            <a:lvl7pPr marL="4572091" indent="0">
+              <a:buNone/>
+              <a:defRPr sz="1667"/>
             </a:lvl7pPr>
-            <a:lvl8pPr marL="1920240" indent="0">
-              <a:buNone/>
-              <a:defRPr sz="600"/>
+            <a:lvl8pPr marL="5334107" indent="0">
+              <a:buNone/>
+              <a:defRPr sz="1667"/>
             </a:lvl8pPr>
-            <a:lvl9pPr marL="2194560" indent="0">
-              <a:buNone/>
-              <a:defRPr sz="600"/>
+            <a:lvl9pPr marL="6096122" indent="0">
+              <a:buNone/>
+              <a:defRPr sz="1667"/>
             </a:lvl9pPr>
           </a:lstStyle>
           <a:p>
@@ -2353,7 +2353,7 @@
           <a:p>
             <a:fld id="{CFC60B5F-2253-DF41-8690-61B53F1555CE}" type="datetimeFigureOut">
               <a:rPr lang="en-US" smtClean="0"/>
-              <a:t>1/29/24</a:t>
+              <a:t>6/14/24</a:t>
             </a:fld>
             <a:endParaRPr lang="en-US"/>
           </a:p>
@@ -2404,7 +2404,7 @@
     </p:spTree>
     <p:extLst>
       <p:ext uri="{BB962C8B-B14F-4D97-AF65-F5344CB8AC3E}">
-        <p14:creationId xmlns:p14="http://schemas.microsoft.com/office/powerpoint/2010/main" val="1607144728"/>
+        <p14:creationId xmlns:p14="http://schemas.microsoft.com/office/powerpoint/2010/main" val="290734986"/>
       </p:ext>
     </p:extLst>
   </p:cSld>
@@ -2448,8 +2448,8 @@
         </p:nvSpPr>
         <p:spPr>
           <a:xfrm>
-            <a:off x="377190" y="584202"/>
-            <a:ext cx="4732020" cy="2120901"/>
+            <a:off x="1131570" y="608544"/>
+            <a:ext cx="14196060" cy="2209272"/>
           </a:xfrm>
           <a:prstGeom prst="rect">
             <a:avLst/>
@@ -2481,8 +2481,8 @@
         </p:nvSpPr>
         <p:spPr>
           <a:xfrm>
-            <a:off x="377190" y="2921000"/>
-            <a:ext cx="4732020" cy="6962141"/>
+            <a:off x="1131570" y="3042708"/>
+            <a:ext cx="14196060" cy="7252230"/>
           </a:xfrm>
           <a:prstGeom prst="rect">
             <a:avLst/>
@@ -2543,8 +2543,8 @@
         </p:nvSpPr>
         <p:spPr>
           <a:xfrm>
-            <a:off x="377190" y="10170162"/>
-            <a:ext cx="1234440" cy="584200"/>
+            <a:off x="1131570" y="10593919"/>
+            <a:ext cx="3703320" cy="608542"/>
           </a:xfrm>
           <a:prstGeom prst="rect">
             <a:avLst/>
@@ -2554,7 +2554,7 @@
           <a:bodyPr vert="horz" lIns="91440" tIns="45720" rIns="91440" bIns="45720" rtlCol="0" anchor="ctr"/>
           <a:lstStyle>
             <a:lvl1pPr algn="l">
-              <a:defRPr sz="720">
+              <a:defRPr sz="2000">
                 <a:solidFill>
                   <a:schemeClr val="tx1">
                     <a:tint val="75000"/>
@@ -2566,7 +2566,7 @@
           <a:p>
             <a:fld id="{CFC60B5F-2253-DF41-8690-61B53F1555CE}" type="datetimeFigureOut">
               <a:rPr lang="en-US" smtClean="0"/>
-              <a:t>1/29/24</a:t>
+              <a:t>6/14/24</a:t>
             </a:fld>
             <a:endParaRPr lang="en-US"/>
           </a:p>
@@ -2584,8 +2584,8 @@
         </p:nvSpPr>
         <p:spPr>
           <a:xfrm>
-            <a:off x="1817370" y="10170162"/>
-            <a:ext cx="1851660" cy="584200"/>
+            <a:off x="5452110" y="10593919"/>
+            <a:ext cx="5554980" cy="608542"/>
           </a:xfrm>
           <a:prstGeom prst="rect">
             <a:avLst/>
@@ -2595,7 +2595,7 @@
           <a:bodyPr vert="horz" lIns="91440" tIns="45720" rIns="91440" bIns="45720" rtlCol="0" anchor="ctr"/>
           <a:lstStyle>
             <a:lvl1pPr algn="ctr">
-              <a:defRPr sz="720">
+              <a:defRPr sz="2000">
                 <a:solidFill>
                   <a:schemeClr val="tx1">
                     <a:tint val="75000"/>
@@ -2621,8 +2621,8 @@
         </p:nvSpPr>
         <p:spPr>
           <a:xfrm>
-            <a:off x="3874770" y="10170162"/>
-            <a:ext cx="1234440" cy="584200"/>
+            <a:off x="11624310" y="10593919"/>
+            <a:ext cx="3703320" cy="608542"/>
           </a:xfrm>
           <a:prstGeom prst="rect">
             <a:avLst/>
@@ -2632,7 +2632,7 @@
           <a:bodyPr vert="horz" lIns="91440" tIns="45720" rIns="91440" bIns="45720" rtlCol="0" anchor="ctr"/>
           <a:lstStyle>
             <a:lvl1pPr algn="r">
-              <a:defRPr sz="720">
+              <a:defRPr sz="2000">
                 <a:solidFill>
                   <a:schemeClr val="tx1">
                     <a:tint val="75000"/>
@@ -2653,27 +2653,27 @@
     </p:spTree>
     <p:extLst>
       <p:ext uri="{BB962C8B-B14F-4D97-AF65-F5344CB8AC3E}">
-        <p14:creationId xmlns:p14="http://schemas.microsoft.com/office/powerpoint/2010/main" val="453401717"/>
+        <p14:creationId xmlns:p14="http://schemas.microsoft.com/office/powerpoint/2010/main" val="3383765722"/>
       </p:ext>
     </p:extLst>
   </p:cSld>
   <p:clrMap bg1="lt1" tx1="dk1" bg2="lt2" tx2="dk2" accent1="accent1" accent2="accent2" accent3="accent3" accent4="accent4" accent5="accent5" accent6="accent6" hlink="hlink" folHlink="folHlink"/>
   <p:sldLayoutIdLst>
-    <p:sldLayoutId id="2147483661" r:id="rId1"/>
-    <p:sldLayoutId id="2147483662" r:id="rId2"/>
-    <p:sldLayoutId id="2147483663" r:id="rId3"/>
-    <p:sldLayoutId id="2147483664" r:id="rId4"/>
-    <p:sldLayoutId id="2147483665" r:id="rId5"/>
-    <p:sldLayoutId id="2147483666" r:id="rId6"/>
-    <p:sldLayoutId id="2147483667" r:id="rId7"/>
-    <p:sldLayoutId id="2147483668" r:id="rId8"/>
-    <p:sldLayoutId id="2147483669" r:id="rId9"/>
-    <p:sldLayoutId id="2147483670" r:id="rId10"/>
-    <p:sldLayoutId id="2147483671" r:id="rId11"/>
+    <p:sldLayoutId id="2147483685" r:id="rId1"/>
+    <p:sldLayoutId id="2147483686" r:id="rId2"/>
+    <p:sldLayoutId id="2147483687" r:id="rId3"/>
+    <p:sldLayoutId id="2147483688" r:id="rId4"/>
+    <p:sldLayoutId id="2147483689" r:id="rId5"/>
+    <p:sldLayoutId id="2147483690" r:id="rId6"/>
+    <p:sldLayoutId id="2147483691" r:id="rId7"/>
+    <p:sldLayoutId id="2147483692" r:id="rId8"/>
+    <p:sldLayoutId id="2147483693" r:id="rId9"/>
+    <p:sldLayoutId id="2147483694" r:id="rId10"/>
+    <p:sldLayoutId id="2147483695" r:id="rId11"/>
   </p:sldLayoutIdLst>
   <p:txStyles>
     <p:titleStyle>
-      <a:lvl1pPr algn="l" defTabSz="548640" rtl="0" eaLnBrk="1" latinLnBrk="0" hangingPunct="1">
+      <a:lvl1pPr algn="l" defTabSz="1524030" rtl="0" eaLnBrk="1" latinLnBrk="0" hangingPunct="1">
         <a:lnSpc>
           <a:spcPct val="90000"/>
         </a:lnSpc>
@@ -2681,7 +2681,7 @@
           <a:spcPct val="0"/>
         </a:spcBef>
         <a:buNone/>
-        <a:defRPr sz="2640" kern="1200">
+        <a:defRPr sz="7333" kern="1200">
           <a:solidFill>
             <a:schemeClr val="tx1"/>
           </a:solidFill>
@@ -2692,16 +2692,16 @@
       </a:lvl1pPr>
     </p:titleStyle>
     <p:bodyStyle>
-      <a:lvl1pPr marL="137160" indent="-137160" algn="l" defTabSz="548640" rtl="0" eaLnBrk="1" latinLnBrk="0" hangingPunct="1">
+      <a:lvl1pPr marL="381008" indent="-381008" algn="l" defTabSz="1524030" rtl="0" eaLnBrk="1" latinLnBrk="0" hangingPunct="1">
         <a:lnSpc>
           <a:spcPct val="90000"/>
         </a:lnSpc>
         <a:spcBef>
-          <a:spcPts val="600"/>
+          <a:spcPts val="1667"/>
         </a:spcBef>
         <a:buFont typeface="Arial" panose="020B0604020202020204" pitchFamily="34" charset="0"/>
         <a:buChar char="•"/>
-        <a:defRPr sz="1680" kern="1200">
+        <a:defRPr sz="4667" kern="1200">
           <a:solidFill>
             <a:schemeClr val="tx1"/>
           </a:solidFill>
@@ -2710,16 +2710,16 @@
           <a:cs typeface="+mn-cs"/>
         </a:defRPr>
       </a:lvl1pPr>
-      <a:lvl2pPr marL="411480" indent="-137160" algn="l" defTabSz="548640" rtl="0" eaLnBrk="1" latinLnBrk="0" hangingPunct="1">
+      <a:lvl2pPr marL="1143023" indent="-381008" algn="l" defTabSz="1524030" rtl="0" eaLnBrk="1" latinLnBrk="0" hangingPunct="1">
         <a:lnSpc>
           <a:spcPct val="90000"/>
         </a:lnSpc>
         <a:spcBef>
-          <a:spcPts val="300"/>
+          <a:spcPts val="833"/>
         </a:spcBef>
         <a:buFont typeface="Arial" panose="020B0604020202020204" pitchFamily="34" charset="0"/>
         <a:buChar char="•"/>
-        <a:defRPr sz="1440" kern="1200">
+        <a:defRPr sz="4000" kern="1200">
           <a:solidFill>
             <a:schemeClr val="tx1"/>
           </a:solidFill>
@@ -2728,16 +2728,16 @@
           <a:cs typeface="+mn-cs"/>
         </a:defRPr>
       </a:lvl2pPr>
-      <a:lvl3pPr marL="685800" indent="-137160" algn="l" defTabSz="548640" rtl="0" eaLnBrk="1" latinLnBrk="0" hangingPunct="1">
+      <a:lvl3pPr marL="1905038" indent="-381008" algn="l" defTabSz="1524030" rtl="0" eaLnBrk="1" latinLnBrk="0" hangingPunct="1">
         <a:lnSpc>
           <a:spcPct val="90000"/>
         </a:lnSpc>
         <a:spcBef>
-          <a:spcPts val="300"/>
+          <a:spcPts val="833"/>
         </a:spcBef>
         <a:buFont typeface="Arial" panose="020B0604020202020204" pitchFamily="34" charset="0"/>
         <a:buChar char="•"/>
-        <a:defRPr sz="1200" kern="1200">
+        <a:defRPr sz="3333" kern="1200">
           <a:solidFill>
             <a:schemeClr val="tx1"/>
           </a:solidFill>
@@ -2746,16 +2746,16 @@
           <a:cs typeface="+mn-cs"/>
         </a:defRPr>
       </a:lvl3pPr>
-      <a:lvl4pPr marL="960120" indent="-137160" algn="l" defTabSz="548640" rtl="0" eaLnBrk="1" latinLnBrk="0" hangingPunct="1">
+      <a:lvl4pPr marL="2667053" indent="-381008" algn="l" defTabSz="1524030" rtl="0" eaLnBrk="1" latinLnBrk="0" hangingPunct="1">
         <a:lnSpc>
           <a:spcPct val="90000"/>
         </a:lnSpc>
         <a:spcBef>
-          <a:spcPts val="300"/>
+          <a:spcPts val="833"/>
         </a:spcBef>
         <a:buFont typeface="Arial" panose="020B0604020202020204" pitchFamily="34" charset="0"/>
         <a:buChar char="•"/>
-        <a:defRPr sz="1080" kern="1200">
+        <a:defRPr sz="3000" kern="1200">
           <a:solidFill>
             <a:schemeClr val="tx1"/>
           </a:solidFill>
@@ -2764,16 +2764,16 @@
           <a:cs typeface="+mn-cs"/>
         </a:defRPr>
       </a:lvl4pPr>
-      <a:lvl5pPr marL="1234440" indent="-137160" algn="l" defTabSz="548640" rtl="0" eaLnBrk="1" latinLnBrk="0" hangingPunct="1">
+      <a:lvl5pPr marL="3429069" indent="-381008" algn="l" defTabSz="1524030" rtl="0" eaLnBrk="1" latinLnBrk="0" hangingPunct="1">
         <a:lnSpc>
           <a:spcPct val="90000"/>
         </a:lnSpc>
         <a:spcBef>
-          <a:spcPts val="300"/>
+          <a:spcPts val="833"/>
         </a:spcBef>
         <a:buFont typeface="Arial" panose="020B0604020202020204" pitchFamily="34" charset="0"/>
         <a:buChar char="•"/>
-        <a:defRPr sz="1080" kern="1200">
+        <a:defRPr sz="3000" kern="1200">
           <a:solidFill>
             <a:schemeClr val="tx1"/>
           </a:solidFill>
@@ -2782,16 +2782,16 @@
           <a:cs typeface="+mn-cs"/>
         </a:defRPr>
       </a:lvl5pPr>
-      <a:lvl6pPr marL="1508760" indent="-137160" algn="l" defTabSz="548640" rtl="0" eaLnBrk="1" latinLnBrk="0" hangingPunct="1">
+      <a:lvl6pPr marL="4191084" indent="-381008" algn="l" defTabSz="1524030" rtl="0" eaLnBrk="1" latinLnBrk="0" hangingPunct="1">
         <a:lnSpc>
           <a:spcPct val="90000"/>
         </a:lnSpc>
         <a:spcBef>
-          <a:spcPts val="300"/>
+          <a:spcPts val="833"/>
         </a:spcBef>
         <a:buFont typeface="Arial" panose="020B0604020202020204" pitchFamily="34" charset="0"/>
         <a:buChar char="•"/>
-        <a:defRPr sz="1080" kern="1200">
+        <a:defRPr sz="3000" kern="1200">
           <a:solidFill>
             <a:schemeClr val="tx1"/>
           </a:solidFill>
@@ -2800,16 +2800,16 @@
           <a:cs typeface="+mn-cs"/>
         </a:defRPr>
       </a:lvl6pPr>
-      <a:lvl7pPr marL="1783080" indent="-137160" algn="l" defTabSz="548640" rtl="0" eaLnBrk="1" latinLnBrk="0" hangingPunct="1">
+      <a:lvl7pPr marL="4953099" indent="-381008" algn="l" defTabSz="1524030" rtl="0" eaLnBrk="1" latinLnBrk="0" hangingPunct="1">
         <a:lnSpc>
           <a:spcPct val="90000"/>
         </a:lnSpc>
         <a:spcBef>
-          <a:spcPts val="300"/>
+          <a:spcPts val="833"/>
         </a:spcBef>
         <a:buFont typeface="Arial" panose="020B0604020202020204" pitchFamily="34" charset="0"/>
         <a:buChar char="•"/>
-        <a:defRPr sz="1080" kern="1200">
+        <a:defRPr sz="3000" kern="1200">
           <a:solidFill>
             <a:schemeClr val="tx1"/>
           </a:solidFill>
@@ -2818,16 +2818,16 @@
           <a:cs typeface="+mn-cs"/>
         </a:defRPr>
       </a:lvl7pPr>
-      <a:lvl8pPr marL="2057400" indent="-137160" algn="l" defTabSz="548640" rtl="0" eaLnBrk="1" latinLnBrk="0" hangingPunct="1">
+      <a:lvl8pPr marL="5715114" indent="-381008" algn="l" defTabSz="1524030" rtl="0" eaLnBrk="1" latinLnBrk="0" hangingPunct="1">
         <a:lnSpc>
           <a:spcPct val="90000"/>
         </a:lnSpc>
         <a:spcBef>
-          <a:spcPts val="300"/>
+          <a:spcPts val="833"/>
         </a:spcBef>
         <a:buFont typeface="Arial" panose="020B0604020202020204" pitchFamily="34" charset="0"/>
         <a:buChar char="•"/>
-        <a:defRPr sz="1080" kern="1200">
+        <a:defRPr sz="3000" kern="1200">
           <a:solidFill>
             <a:schemeClr val="tx1"/>
           </a:solidFill>
@@ -2836,16 +2836,16 @@
           <a:cs typeface="+mn-cs"/>
         </a:defRPr>
       </a:lvl8pPr>
-      <a:lvl9pPr marL="2331720" indent="-137160" algn="l" defTabSz="548640" rtl="0" eaLnBrk="1" latinLnBrk="0" hangingPunct="1">
+      <a:lvl9pPr marL="6477130" indent="-381008" algn="l" defTabSz="1524030" rtl="0" eaLnBrk="1" latinLnBrk="0" hangingPunct="1">
         <a:lnSpc>
           <a:spcPct val="90000"/>
         </a:lnSpc>
         <a:spcBef>
-          <a:spcPts val="300"/>
+          <a:spcPts val="833"/>
         </a:spcBef>
         <a:buFont typeface="Arial" panose="020B0604020202020204" pitchFamily="34" charset="0"/>
         <a:buChar char="•"/>
-        <a:defRPr sz="1080" kern="1200">
+        <a:defRPr sz="3000" kern="1200">
           <a:solidFill>
             <a:schemeClr val="tx1"/>
           </a:solidFill>
@@ -2859,8 +2859,8 @@
       <a:defPPr>
         <a:defRPr lang="en-US"/>
       </a:defPPr>
-      <a:lvl1pPr marL="0" algn="l" defTabSz="548640" rtl="0" eaLnBrk="1" latinLnBrk="0" hangingPunct="1">
-        <a:defRPr sz="1080" kern="1200">
+      <a:lvl1pPr marL="0" algn="l" defTabSz="1524030" rtl="0" eaLnBrk="1" latinLnBrk="0" hangingPunct="1">
+        <a:defRPr sz="3000" kern="1200">
           <a:solidFill>
             <a:schemeClr val="tx1"/>
           </a:solidFill>
@@ -2869,8 +2869,8 @@
           <a:cs typeface="+mn-cs"/>
         </a:defRPr>
       </a:lvl1pPr>
-      <a:lvl2pPr marL="274320" algn="l" defTabSz="548640" rtl="0" eaLnBrk="1" latinLnBrk="0" hangingPunct="1">
-        <a:defRPr sz="1080" kern="1200">
+      <a:lvl2pPr marL="762015" algn="l" defTabSz="1524030" rtl="0" eaLnBrk="1" latinLnBrk="0" hangingPunct="1">
+        <a:defRPr sz="3000" kern="1200">
           <a:solidFill>
             <a:schemeClr val="tx1"/>
           </a:solidFill>
@@ -2879,8 +2879,8 @@
           <a:cs typeface="+mn-cs"/>
         </a:defRPr>
       </a:lvl2pPr>
-      <a:lvl3pPr marL="548640" algn="l" defTabSz="548640" rtl="0" eaLnBrk="1" latinLnBrk="0" hangingPunct="1">
-        <a:defRPr sz="1080" kern="1200">
+      <a:lvl3pPr marL="1524030" algn="l" defTabSz="1524030" rtl="0" eaLnBrk="1" latinLnBrk="0" hangingPunct="1">
+        <a:defRPr sz="3000" kern="1200">
           <a:solidFill>
             <a:schemeClr val="tx1"/>
           </a:solidFill>
@@ -2889,8 +2889,8 @@
           <a:cs typeface="+mn-cs"/>
         </a:defRPr>
       </a:lvl3pPr>
-      <a:lvl4pPr marL="822960" algn="l" defTabSz="548640" rtl="0" eaLnBrk="1" latinLnBrk="0" hangingPunct="1">
-        <a:defRPr sz="1080" kern="1200">
+      <a:lvl4pPr marL="2286046" algn="l" defTabSz="1524030" rtl="0" eaLnBrk="1" latinLnBrk="0" hangingPunct="1">
+        <a:defRPr sz="3000" kern="1200">
           <a:solidFill>
             <a:schemeClr val="tx1"/>
           </a:solidFill>
@@ -2899,8 +2899,8 @@
           <a:cs typeface="+mn-cs"/>
         </a:defRPr>
       </a:lvl4pPr>
-      <a:lvl5pPr marL="1097280" algn="l" defTabSz="548640" rtl="0" eaLnBrk="1" latinLnBrk="0" hangingPunct="1">
-        <a:defRPr sz="1080" kern="1200">
+      <a:lvl5pPr marL="3048061" algn="l" defTabSz="1524030" rtl="0" eaLnBrk="1" latinLnBrk="0" hangingPunct="1">
+        <a:defRPr sz="3000" kern="1200">
           <a:solidFill>
             <a:schemeClr val="tx1"/>
           </a:solidFill>
@@ -2909,8 +2909,8 @@
           <a:cs typeface="+mn-cs"/>
         </a:defRPr>
       </a:lvl5pPr>
-      <a:lvl6pPr marL="1371600" algn="l" defTabSz="548640" rtl="0" eaLnBrk="1" latinLnBrk="0" hangingPunct="1">
-        <a:defRPr sz="1080" kern="1200">
+      <a:lvl6pPr marL="3810076" algn="l" defTabSz="1524030" rtl="0" eaLnBrk="1" latinLnBrk="0" hangingPunct="1">
+        <a:defRPr sz="3000" kern="1200">
           <a:solidFill>
             <a:schemeClr val="tx1"/>
           </a:solidFill>
@@ -2919,8 +2919,8 @@
           <a:cs typeface="+mn-cs"/>
         </a:defRPr>
       </a:lvl6pPr>
-      <a:lvl7pPr marL="1645920" algn="l" defTabSz="548640" rtl="0" eaLnBrk="1" latinLnBrk="0" hangingPunct="1">
-        <a:defRPr sz="1080" kern="1200">
+      <a:lvl7pPr marL="4572091" algn="l" defTabSz="1524030" rtl="0" eaLnBrk="1" latinLnBrk="0" hangingPunct="1">
+        <a:defRPr sz="3000" kern="1200">
           <a:solidFill>
             <a:schemeClr val="tx1"/>
           </a:solidFill>
@@ -2929,8 +2929,8 @@
           <a:cs typeface="+mn-cs"/>
         </a:defRPr>
       </a:lvl7pPr>
-      <a:lvl8pPr marL="1920240" algn="l" defTabSz="548640" rtl="0" eaLnBrk="1" latinLnBrk="0" hangingPunct="1">
-        <a:defRPr sz="1080" kern="1200">
+      <a:lvl8pPr marL="5334107" algn="l" defTabSz="1524030" rtl="0" eaLnBrk="1" latinLnBrk="0" hangingPunct="1">
+        <a:defRPr sz="3000" kern="1200">
           <a:solidFill>
             <a:schemeClr val="tx1"/>
           </a:solidFill>
@@ -2939,8 +2939,8 @@
           <a:cs typeface="+mn-cs"/>
         </a:defRPr>
       </a:lvl8pPr>
-      <a:lvl9pPr marL="2194560" algn="l" defTabSz="548640" rtl="0" eaLnBrk="1" latinLnBrk="0" hangingPunct="1">
-        <a:defRPr sz="1080" kern="1200">
+      <a:lvl9pPr marL="6096122" algn="l" defTabSz="1524030" rtl="0" eaLnBrk="1" latinLnBrk="0" hangingPunct="1">
+        <a:defRPr sz="3000" kern="1200">
           <a:solidFill>
             <a:schemeClr val="tx1"/>
           </a:solidFill>
@@ -2973,10 +2973,10 @@
       </p:grpSpPr>
       <p:pic>
         <p:nvPicPr>
-          <p:cNvPr id="3" name="Picture 2">
+          <p:cNvPr id="37" name="Picture 36">
             <a:extLst>
               <a:ext uri="{FF2B5EF4-FFF2-40B4-BE49-F238E27FC236}">
-                <a16:creationId xmlns:a16="http://schemas.microsoft.com/office/drawing/2014/main" id="{F8869B05-DA6F-E306-710D-6B2068EB7B86}"/>
+                <a16:creationId xmlns:a16="http://schemas.microsoft.com/office/drawing/2014/main" id="{F90C09B0-7B55-6926-448A-8644EBE5694B}"/>
               </a:ext>
             </a:extLst>
           </p:cNvPr>
@@ -2993,7 +2993,7 @@
         </p:blipFill>
         <p:spPr>
           <a:xfrm>
-            <a:off x="0" y="0"/>
+            <a:off x="0" y="457200"/>
             <a:ext cx="5486400" cy="3657600"/>
           </a:xfrm>
           <a:prstGeom prst="rect">
@@ -3023,7 +3023,7 @@
         </p:blipFill>
         <p:spPr>
           <a:xfrm>
-            <a:off x="0" y="3657600"/>
+            <a:off x="0" y="4114800"/>
             <a:ext cx="5486400" cy="3657600"/>
           </a:xfrm>
           <a:prstGeom prst="rect">
@@ -3053,7 +3053,7 @@
         </p:blipFill>
         <p:spPr>
           <a:xfrm>
-            <a:off x="0" y="7315200"/>
+            <a:off x="0" y="7772400"/>
             <a:ext cx="5486400" cy="3657600"/>
           </a:xfrm>
           <a:prstGeom prst="rect">
@@ -3061,6 +3061,398 @@
           </a:prstGeom>
         </p:spPr>
       </p:pic>
+      <p:pic>
+        <p:nvPicPr>
+          <p:cNvPr id="20" name="Picture 19">
+            <a:extLst>
+              <a:ext uri="{FF2B5EF4-FFF2-40B4-BE49-F238E27FC236}">
+                <a16:creationId xmlns:a16="http://schemas.microsoft.com/office/drawing/2014/main" id="{FCF6A8EE-A307-040B-2A30-5FF1617E03DA}"/>
+              </a:ext>
+            </a:extLst>
+          </p:cNvPr>
+          <p:cNvPicPr>
+            <a:picLocks noChangeAspect="1"/>
+          </p:cNvPicPr>
+          <p:nvPr/>
+        </p:nvPicPr>
+        <p:blipFill>
+          <a:blip r:embed="rId5"/>
+          <a:stretch>
+            <a:fillRect/>
+          </a:stretch>
+        </p:blipFill>
+        <p:spPr>
+          <a:xfrm>
+            <a:off x="5486400" y="4114800"/>
+            <a:ext cx="5486400" cy="3657600"/>
+          </a:xfrm>
+          <a:prstGeom prst="rect">
+            <a:avLst/>
+          </a:prstGeom>
+        </p:spPr>
+      </p:pic>
+      <p:pic>
+        <p:nvPicPr>
+          <p:cNvPr id="22" name="Picture 21">
+            <a:extLst>
+              <a:ext uri="{FF2B5EF4-FFF2-40B4-BE49-F238E27FC236}">
+                <a16:creationId xmlns:a16="http://schemas.microsoft.com/office/drawing/2014/main" id="{F61FCE7C-CB3E-E66D-0AB7-8A13D1F4A2F5}"/>
+              </a:ext>
+            </a:extLst>
+          </p:cNvPr>
+          <p:cNvPicPr>
+            <a:picLocks noChangeAspect="1"/>
+          </p:cNvPicPr>
+          <p:nvPr/>
+        </p:nvPicPr>
+        <p:blipFill>
+          <a:blip r:embed="rId6"/>
+          <a:stretch>
+            <a:fillRect/>
+          </a:stretch>
+        </p:blipFill>
+        <p:spPr>
+          <a:xfrm>
+            <a:off x="5486400" y="7772400"/>
+            <a:ext cx="5486400" cy="3657600"/>
+          </a:xfrm>
+          <a:prstGeom prst="rect">
+            <a:avLst/>
+          </a:prstGeom>
+        </p:spPr>
+      </p:pic>
+      <p:pic>
+        <p:nvPicPr>
+          <p:cNvPr id="24" name="Picture 23">
+            <a:extLst>
+              <a:ext uri="{FF2B5EF4-FFF2-40B4-BE49-F238E27FC236}">
+                <a16:creationId xmlns:a16="http://schemas.microsoft.com/office/drawing/2014/main" id="{00143626-0CF6-4979-7ED4-FACE9ECB4C59}"/>
+              </a:ext>
+            </a:extLst>
+          </p:cNvPr>
+          <p:cNvPicPr>
+            <a:picLocks noChangeAspect="1"/>
+          </p:cNvPicPr>
+          <p:nvPr/>
+        </p:nvPicPr>
+        <p:blipFill>
+          <a:blip r:embed="rId7"/>
+          <a:stretch>
+            <a:fillRect/>
+          </a:stretch>
+        </p:blipFill>
+        <p:spPr>
+          <a:xfrm>
+            <a:off x="10972800" y="4114800"/>
+            <a:ext cx="5486400" cy="3657600"/>
+          </a:xfrm>
+          <a:prstGeom prst="rect">
+            <a:avLst/>
+          </a:prstGeom>
+        </p:spPr>
+      </p:pic>
+      <p:pic>
+        <p:nvPicPr>
+          <p:cNvPr id="26" name="Picture 25">
+            <a:extLst>
+              <a:ext uri="{FF2B5EF4-FFF2-40B4-BE49-F238E27FC236}">
+                <a16:creationId xmlns:a16="http://schemas.microsoft.com/office/drawing/2014/main" id="{28C6EDB7-3666-518D-AA68-15AA7B737D98}"/>
+              </a:ext>
+            </a:extLst>
+          </p:cNvPr>
+          <p:cNvPicPr>
+            <a:picLocks noChangeAspect="1"/>
+          </p:cNvPicPr>
+          <p:nvPr/>
+        </p:nvPicPr>
+        <p:blipFill>
+          <a:blip r:embed="rId8"/>
+          <a:stretch>
+            <a:fillRect/>
+          </a:stretch>
+        </p:blipFill>
+        <p:spPr>
+          <a:xfrm>
+            <a:off x="10972800" y="7772400"/>
+            <a:ext cx="5486400" cy="3657600"/>
+          </a:xfrm>
+          <a:prstGeom prst="rect">
+            <a:avLst/>
+          </a:prstGeom>
+        </p:spPr>
+      </p:pic>
+      <p:sp>
+        <p:nvSpPr>
+          <p:cNvPr id="31" name="Rectangle 30">
+            <a:extLst>
+              <a:ext uri="{FF2B5EF4-FFF2-40B4-BE49-F238E27FC236}">
+                <a16:creationId xmlns:a16="http://schemas.microsoft.com/office/drawing/2014/main" id="{4214D08E-94AA-0A67-F6AD-ADCEB5C089A0}"/>
+              </a:ext>
+            </a:extLst>
+          </p:cNvPr>
+          <p:cNvSpPr/>
+          <p:nvPr/>
+        </p:nvSpPr>
+        <p:spPr>
+          <a:xfrm>
+            <a:off x="1561335" y="668956"/>
+            <a:ext cx="900546" cy="1367662"/>
+          </a:xfrm>
+          <a:prstGeom prst="rect">
+            <a:avLst/>
+          </a:prstGeom>
+          <a:solidFill>
+            <a:schemeClr val="bg1"/>
+          </a:solidFill>
+          <a:ln>
+            <a:noFill/>
+          </a:ln>
+        </p:spPr>
+        <p:style>
+          <a:lnRef idx="2">
+            <a:schemeClr val="accent1">
+              <a:shade val="15000"/>
+            </a:schemeClr>
+          </a:lnRef>
+          <a:fillRef idx="1">
+            <a:schemeClr val="accent1"/>
+          </a:fillRef>
+          <a:effectRef idx="0">
+            <a:schemeClr val="accent1"/>
+          </a:effectRef>
+          <a:fontRef idx="minor">
+            <a:schemeClr val="lt1"/>
+          </a:fontRef>
+        </p:style>
+        <p:txBody>
+          <a:bodyPr rtlCol="0" anchor="ctr"/>
+          <a:lstStyle/>
+          <a:p>
+            <a:pPr algn="ctr"/>
+            <a:endParaRPr lang="en-US"/>
+          </a:p>
+        </p:txBody>
+      </p:sp>
+      <p:pic>
+        <p:nvPicPr>
+          <p:cNvPr id="33" name="Picture 32">
+            <a:extLst>
+              <a:ext uri="{FF2B5EF4-FFF2-40B4-BE49-F238E27FC236}">
+                <a16:creationId xmlns:a16="http://schemas.microsoft.com/office/drawing/2014/main" id="{F0B5D106-BB0A-4A95-F73B-726DD9553624}"/>
+              </a:ext>
+            </a:extLst>
+          </p:cNvPr>
+          <p:cNvPicPr>
+            <a:picLocks noChangeAspect="1"/>
+          </p:cNvPicPr>
+          <p:nvPr/>
+        </p:nvPicPr>
+        <p:blipFill>
+          <a:blip r:embed="rId9"/>
+          <a:stretch>
+            <a:fillRect/>
+          </a:stretch>
+        </p:blipFill>
+        <p:spPr>
+          <a:xfrm>
+            <a:off x="5486400" y="457200"/>
+            <a:ext cx="5486400" cy="3657600"/>
+          </a:xfrm>
+          <a:prstGeom prst="rect">
+            <a:avLst/>
+          </a:prstGeom>
+        </p:spPr>
+      </p:pic>
+      <p:pic>
+        <p:nvPicPr>
+          <p:cNvPr id="35" name="Picture 34">
+            <a:extLst>
+              <a:ext uri="{FF2B5EF4-FFF2-40B4-BE49-F238E27FC236}">
+                <a16:creationId xmlns:a16="http://schemas.microsoft.com/office/drawing/2014/main" id="{F6C39AE6-76B1-FE2C-8A58-723A610F9806}"/>
+              </a:ext>
+            </a:extLst>
+          </p:cNvPr>
+          <p:cNvPicPr>
+            <a:picLocks noChangeAspect="1"/>
+          </p:cNvPicPr>
+          <p:nvPr/>
+        </p:nvPicPr>
+        <p:blipFill>
+          <a:blip r:embed="rId10"/>
+          <a:stretch>
+            <a:fillRect/>
+          </a:stretch>
+        </p:blipFill>
+        <p:spPr>
+          <a:xfrm>
+            <a:off x="10972800" y="457200"/>
+            <a:ext cx="5486400" cy="3657600"/>
+          </a:xfrm>
+          <a:prstGeom prst="rect">
+            <a:avLst/>
+          </a:prstGeom>
+        </p:spPr>
+      </p:pic>
+      <p:sp>
+        <p:nvSpPr>
+          <p:cNvPr id="38" name="Rectangle 37">
+            <a:extLst>
+              <a:ext uri="{FF2B5EF4-FFF2-40B4-BE49-F238E27FC236}">
+                <a16:creationId xmlns:a16="http://schemas.microsoft.com/office/drawing/2014/main" id="{795F9AB0-1414-E61F-B445-D049DD5D4AB6}"/>
+              </a:ext>
+            </a:extLst>
+          </p:cNvPr>
+          <p:cNvSpPr/>
+          <p:nvPr/>
+        </p:nvSpPr>
+        <p:spPr>
+          <a:xfrm>
+            <a:off x="7047735" y="668956"/>
+            <a:ext cx="900546" cy="1367662"/>
+          </a:xfrm>
+          <a:prstGeom prst="rect">
+            <a:avLst/>
+          </a:prstGeom>
+          <a:solidFill>
+            <a:schemeClr val="bg1"/>
+          </a:solidFill>
+          <a:ln>
+            <a:noFill/>
+          </a:ln>
+        </p:spPr>
+        <p:style>
+          <a:lnRef idx="2">
+            <a:schemeClr val="accent1">
+              <a:shade val="15000"/>
+            </a:schemeClr>
+          </a:lnRef>
+          <a:fillRef idx="1">
+            <a:schemeClr val="accent1"/>
+          </a:fillRef>
+          <a:effectRef idx="0">
+            <a:schemeClr val="accent1"/>
+          </a:effectRef>
+          <a:fontRef idx="minor">
+            <a:schemeClr val="lt1"/>
+          </a:fontRef>
+        </p:style>
+        <p:txBody>
+          <a:bodyPr rtlCol="0" anchor="ctr"/>
+          <a:lstStyle/>
+          <a:p>
+            <a:pPr algn="ctr"/>
+            <a:endParaRPr lang="en-US"/>
+          </a:p>
+        </p:txBody>
+      </p:sp>
+      <p:sp>
+        <p:nvSpPr>
+          <p:cNvPr id="39" name="TextBox 38">
+            <a:extLst>
+              <a:ext uri="{FF2B5EF4-FFF2-40B4-BE49-F238E27FC236}">
+                <a16:creationId xmlns:a16="http://schemas.microsoft.com/office/drawing/2014/main" id="{684F92D3-66DB-217B-B07C-5CF468CDF53E}"/>
+              </a:ext>
+            </a:extLst>
+          </p:cNvPr>
+          <p:cNvSpPr txBox="1"/>
+          <p:nvPr/>
+        </p:nvSpPr>
+        <p:spPr>
+          <a:xfrm>
+            <a:off x="2" y="0"/>
+            <a:ext cx="5486399" cy="461665"/>
+          </a:xfrm>
+          <a:prstGeom prst="rect">
+            <a:avLst/>
+          </a:prstGeom>
+          <a:noFill/>
+        </p:spPr>
+        <p:txBody>
+          <a:bodyPr wrap="square" rtlCol="0">
+            <a:spAutoFit/>
+          </a:bodyPr>
+          <a:lstStyle/>
+          <a:p>
+            <a:pPr algn="ctr"/>
+            <a:r>
+              <a:rPr lang="en-US" sz="2400" b="1" dirty="0"/>
+              <a:t>Exploratory</a:t>
+            </a:r>
+          </a:p>
+        </p:txBody>
+      </p:sp>
+      <p:sp>
+        <p:nvSpPr>
+          <p:cNvPr id="40" name="TextBox 39">
+            <a:extLst>
+              <a:ext uri="{FF2B5EF4-FFF2-40B4-BE49-F238E27FC236}">
+                <a16:creationId xmlns:a16="http://schemas.microsoft.com/office/drawing/2014/main" id="{F947FF92-BD1E-A7B0-E812-35142170F7EE}"/>
+              </a:ext>
+            </a:extLst>
+          </p:cNvPr>
+          <p:cNvSpPr txBox="1"/>
+          <p:nvPr/>
+        </p:nvSpPr>
+        <p:spPr>
+          <a:xfrm>
+            <a:off x="5486403" y="0"/>
+            <a:ext cx="5486399" cy="461665"/>
+          </a:xfrm>
+          <a:prstGeom prst="rect">
+            <a:avLst/>
+          </a:prstGeom>
+          <a:noFill/>
+        </p:spPr>
+        <p:txBody>
+          <a:bodyPr wrap="square" rtlCol="0">
+            <a:spAutoFit/>
+          </a:bodyPr>
+          <a:lstStyle/>
+          <a:p>
+            <a:pPr algn="ctr"/>
+            <a:r>
+              <a:rPr lang="en-US" sz="2400" b="1" dirty="0"/>
+              <a:t>Confirmatory</a:t>
+            </a:r>
+          </a:p>
+        </p:txBody>
+      </p:sp>
+      <p:sp>
+        <p:nvSpPr>
+          <p:cNvPr id="41" name="TextBox 40">
+            <a:extLst>
+              <a:ext uri="{FF2B5EF4-FFF2-40B4-BE49-F238E27FC236}">
+                <a16:creationId xmlns:a16="http://schemas.microsoft.com/office/drawing/2014/main" id="{5DEC6994-ED94-6146-FB59-6DE48EB48947}"/>
+              </a:ext>
+            </a:extLst>
+          </p:cNvPr>
+          <p:cNvSpPr txBox="1"/>
+          <p:nvPr/>
+        </p:nvSpPr>
+        <p:spPr>
+          <a:xfrm>
+            <a:off x="10972801" y="0"/>
+            <a:ext cx="5486399" cy="461665"/>
+          </a:xfrm>
+          <a:prstGeom prst="rect">
+            <a:avLst/>
+          </a:prstGeom>
+          <a:noFill/>
+        </p:spPr>
+        <p:txBody>
+          <a:bodyPr wrap="square" rtlCol="0">
+            <a:spAutoFit/>
+          </a:bodyPr>
+          <a:lstStyle/>
+          <a:p>
+            <a:pPr algn="ctr"/>
+            <a:r>
+              <a:rPr lang="en-US" sz="2400" b="1" dirty="0"/>
+              <a:t>Joint</a:t>
+            </a:r>
+          </a:p>
+        </p:txBody>
+      </p:sp>
     </p:spTree>
     <p:extLst>
       <p:ext uri="{BB962C8B-B14F-4D97-AF65-F5344CB8AC3E}">

--- a/analysis/submitted_analyses/attentional_choice_biases.pptx
+++ b/analysis/submitted_analyses/attentional_choice_biases.pptx
@@ -243,7 +243,7 @@
           <a:p>
             <a:fld id="{CFC60B5F-2253-DF41-8690-61B53F1555CE}" type="datetimeFigureOut">
               <a:rPr lang="en-US" smtClean="0"/>
-              <a:t>6/14/24</a:t>
+              <a:t>6/16/24</a:t>
             </a:fld>
             <a:endParaRPr lang="en-US"/>
           </a:p>
@@ -413,7 +413,7 @@
           <a:p>
             <a:fld id="{CFC60B5F-2253-DF41-8690-61B53F1555CE}" type="datetimeFigureOut">
               <a:rPr lang="en-US" smtClean="0"/>
-              <a:t>6/14/24</a:t>
+              <a:t>6/16/24</a:t>
             </a:fld>
             <a:endParaRPr lang="en-US"/>
           </a:p>
@@ -593,7 +593,7 @@
           <a:p>
             <a:fld id="{CFC60B5F-2253-DF41-8690-61B53F1555CE}" type="datetimeFigureOut">
               <a:rPr lang="en-US" smtClean="0"/>
-              <a:t>6/14/24</a:t>
+              <a:t>6/16/24</a:t>
             </a:fld>
             <a:endParaRPr lang="en-US"/>
           </a:p>
@@ -763,7 +763,7 @@
           <a:p>
             <a:fld id="{CFC60B5F-2253-DF41-8690-61B53F1555CE}" type="datetimeFigureOut">
               <a:rPr lang="en-US" smtClean="0"/>
-              <a:t>6/14/24</a:t>
+              <a:t>6/16/24</a:t>
             </a:fld>
             <a:endParaRPr lang="en-US"/>
           </a:p>
@@ -1007,7 +1007,7 @@
           <a:p>
             <a:fld id="{CFC60B5F-2253-DF41-8690-61B53F1555CE}" type="datetimeFigureOut">
               <a:rPr lang="en-US" smtClean="0"/>
-              <a:t>6/14/24</a:t>
+              <a:t>6/16/24</a:t>
             </a:fld>
             <a:endParaRPr lang="en-US"/>
           </a:p>
@@ -1239,7 +1239,7 @@
           <a:p>
             <a:fld id="{CFC60B5F-2253-DF41-8690-61B53F1555CE}" type="datetimeFigureOut">
               <a:rPr lang="en-US" smtClean="0"/>
-              <a:t>6/14/24</a:t>
+              <a:t>6/16/24</a:t>
             </a:fld>
             <a:endParaRPr lang="en-US"/>
           </a:p>
@@ -1606,7 +1606,7 @@
           <a:p>
             <a:fld id="{CFC60B5F-2253-DF41-8690-61B53F1555CE}" type="datetimeFigureOut">
               <a:rPr lang="en-US" smtClean="0"/>
-              <a:t>6/14/24</a:t>
+              <a:t>6/16/24</a:t>
             </a:fld>
             <a:endParaRPr lang="en-US"/>
           </a:p>
@@ -1724,7 +1724,7 @@
           <a:p>
             <a:fld id="{CFC60B5F-2253-DF41-8690-61B53F1555CE}" type="datetimeFigureOut">
               <a:rPr lang="en-US" smtClean="0"/>
-              <a:t>6/14/24</a:t>
+              <a:t>6/16/24</a:t>
             </a:fld>
             <a:endParaRPr lang="en-US"/>
           </a:p>
@@ -1819,7 +1819,7 @@
           <a:p>
             <a:fld id="{CFC60B5F-2253-DF41-8690-61B53F1555CE}" type="datetimeFigureOut">
               <a:rPr lang="en-US" smtClean="0"/>
-              <a:t>6/14/24</a:t>
+              <a:t>6/16/24</a:t>
             </a:fld>
             <a:endParaRPr lang="en-US"/>
           </a:p>
@@ -2096,7 +2096,7 @@
           <a:p>
             <a:fld id="{CFC60B5F-2253-DF41-8690-61B53F1555CE}" type="datetimeFigureOut">
               <a:rPr lang="en-US" smtClean="0"/>
-              <a:t>6/14/24</a:t>
+              <a:t>6/16/24</a:t>
             </a:fld>
             <a:endParaRPr lang="en-US"/>
           </a:p>
@@ -2353,7 +2353,7 @@
           <a:p>
             <a:fld id="{CFC60B5F-2253-DF41-8690-61B53F1555CE}" type="datetimeFigureOut">
               <a:rPr lang="en-US" smtClean="0"/>
-              <a:t>6/14/24</a:t>
+              <a:t>6/16/24</a:t>
             </a:fld>
             <a:endParaRPr lang="en-US"/>
           </a:p>
@@ -2566,7 +2566,7 @@
           <a:p>
             <a:fld id="{CFC60B5F-2253-DF41-8690-61B53F1555CE}" type="datetimeFigureOut">
               <a:rPr lang="en-US" smtClean="0"/>
-              <a:t>6/14/24</a:t>
+              <a:t>6/16/24</a:t>
             </a:fld>
             <a:endParaRPr lang="en-US"/>
           </a:p>
@@ -2973,6 +2973,36 @@
       </p:grpSpPr>
       <p:pic>
         <p:nvPicPr>
+          <p:cNvPr id="3" name="Picture 2">
+            <a:extLst>
+              <a:ext uri="{FF2B5EF4-FFF2-40B4-BE49-F238E27FC236}">
+                <a16:creationId xmlns:a16="http://schemas.microsoft.com/office/drawing/2014/main" id="{BDCA4023-4452-6232-927B-57B8F875D687}"/>
+              </a:ext>
+            </a:extLst>
+          </p:cNvPr>
+          <p:cNvPicPr>
+            <a:picLocks noChangeAspect="1"/>
+          </p:cNvPicPr>
+          <p:nvPr/>
+        </p:nvPicPr>
+        <p:blipFill>
+          <a:blip r:embed="rId2"/>
+          <a:stretch>
+            <a:fillRect/>
+          </a:stretch>
+        </p:blipFill>
+        <p:spPr>
+          <a:xfrm>
+            <a:off x="5486400" y="457200"/>
+            <a:ext cx="5486400" cy="3657600"/>
+          </a:xfrm>
+          <a:prstGeom prst="rect">
+            <a:avLst/>
+          </a:prstGeom>
+        </p:spPr>
+      </p:pic>
+      <p:pic>
+        <p:nvPicPr>
           <p:cNvPr id="37" name="Picture 36">
             <a:extLst>
               <a:ext uri="{FF2B5EF4-FFF2-40B4-BE49-F238E27FC236}">
@@ -2986,7 +3016,7 @@
           <p:nvPr/>
         </p:nvPicPr>
         <p:blipFill>
-          <a:blip r:embed="rId2"/>
+          <a:blip r:embed="rId3"/>
           <a:stretch>
             <a:fillRect/>
           </a:stretch>
@@ -3016,7 +3046,7 @@
           <p:nvPr/>
         </p:nvPicPr>
         <p:blipFill>
-          <a:blip r:embed="rId3"/>
+          <a:blip r:embed="rId4"/>
           <a:stretch>
             <a:fillRect/>
           </a:stretch>
@@ -3046,7 +3076,7 @@
           <p:nvPr/>
         </p:nvPicPr>
         <p:blipFill>
-          <a:blip r:embed="rId4"/>
+          <a:blip r:embed="rId5"/>
           <a:stretch>
             <a:fillRect/>
           </a:stretch>
@@ -3054,66 +3084,6 @@
         <p:spPr>
           <a:xfrm>
             <a:off x="0" y="7772400"/>
-            <a:ext cx="5486400" cy="3657600"/>
-          </a:xfrm>
-          <a:prstGeom prst="rect">
-            <a:avLst/>
-          </a:prstGeom>
-        </p:spPr>
-      </p:pic>
-      <p:pic>
-        <p:nvPicPr>
-          <p:cNvPr id="20" name="Picture 19">
-            <a:extLst>
-              <a:ext uri="{FF2B5EF4-FFF2-40B4-BE49-F238E27FC236}">
-                <a16:creationId xmlns:a16="http://schemas.microsoft.com/office/drawing/2014/main" id="{FCF6A8EE-A307-040B-2A30-5FF1617E03DA}"/>
-              </a:ext>
-            </a:extLst>
-          </p:cNvPr>
-          <p:cNvPicPr>
-            <a:picLocks noChangeAspect="1"/>
-          </p:cNvPicPr>
-          <p:nvPr/>
-        </p:nvPicPr>
-        <p:blipFill>
-          <a:blip r:embed="rId5"/>
-          <a:stretch>
-            <a:fillRect/>
-          </a:stretch>
-        </p:blipFill>
-        <p:spPr>
-          <a:xfrm>
-            <a:off x="5486400" y="4114800"/>
-            <a:ext cx="5486400" cy="3657600"/>
-          </a:xfrm>
-          <a:prstGeom prst="rect">
-            <a:avLst/>
-          </a:prstGeom>
-        </p:spPr>
-      </p:pic>
-      <p:pic>
-        <p:nvPicPr>
-          <p:cNvPr id="22" name="Picture 21">
-            <a:extLst>
-              <a:ext uri="{FF2B5EF4-FFF2-40B4-BE49-F238E27FC236}">
-                <a16:creationId xmlns:a16="http://schemas.microsoft.com/office/drawing/2014/main" id="{F61FCE7C-CB3E-E66D-0AB7-8A13D1F4A2F5}"/>
-              </a:ext>
-            </a:extLst>
-          </p:cNvPr>
-          <p:cNvPicPr>
-            <a:picLocks noChangeAspect="1"/>
-          </p:cNvPicPr>
-          <p:nvPr/>
-        </p:nvPicPr>
-        <p:blipFill>
-          <a:blip r:embed="rId6"/>
-          <a:stretch>
-            <a:fillRect/>
-          </a:stretch>
-        </p:blipFill>
-        <p:spPr>
-          <a:xfrm>
-            <a:off x="5486400" y="7772400"/>
             <a:ext cx="5486400" cy="3657600"/>
           </a:xfrm>
           <a:prstGeom prst="rect">
@@ -3136,7 +3106,7 @@
           <p:nvPr/>
         </p:nvPicPr>
         <p:blipFill>
-          <a:blip r:embed="rId7"/>
+          <a:blip r:embed="rId6"/>
           <a:stretch>
             <a:fillRect/>
           </a:stretch>
@@ -3166,7 +3136,7 @@
           <p:nvPr/>
         </p:nvPicPr>
         <p:blipFill>
-          <a:blip r:embed="rId8"/>
+          <a:blip r:embed="rId7"/>
           <a:stretch>
             <a:fillRect/>
           </a:stretch>
@@ -3235,36 +3205,6 @@
       </p:sp>
       <p:pic>
         <p:nvPicPr>
-          <p:cNvPr id="33" name="Picture 32">
-            <a:extLst>
-              <a:ext uri="{FF2B5EF4-FFF2-40B4-BE49-F238E27FC236}">
-                <a16:creationId xmlns:a16="http://schemas.microsoft.com/office/drawing/2014/main" id="{F0B5D106-BB0A-4A95-F73B-726DD9553624}"/>
-              </a:ext>
-            </a:extLst>
-          </p:cNvPr>
-          <p:cNvPicPr>
-            <a:picLocks noChangeAspect="1"/>
-          </p:cNvPicPr>
-          <p:nvPr/>
-        </p:nvPicPr>
-        <p:blipFill>
-          <a:blip r:embed="rId9"/>
-          <a:stretch>
-            <a:fillRect/>
-          </a:stretch>
-        </p:blipFill>
-        <p:spPr>
-          <a:xfrm>
-            <a:off x="5486400" y="457200"/>
-            <a:ext cx="5486400" cy="3657600"/>
-          </a:xfrm>
-          <a:prstGeom prst="rect">
-            <a:avLst/>
-          </a:prstGeom>
-        </p:spPr>
-      </p:pic>
-      <p:pic>
-        <p:nvPicPr>
           <p:cNvPr id="35" name="Picture 34">
             <a:extLst>
               <a:ext uri="{FF2B5EF4-FFF2-40B4-BE49-F238E27FC236}">
@@ -3278,7 +3218,7 @@
           <p:nvPr/>
         </p:nvPicPr>
         <p:blipFill>
-          <a:blip r:embed="rId10"/>
+          <a:blip r:embed="rId8"/>
           <a:stretch>
             <a:fillRect/>
           </a:stretch>
@@ -3453,6 +3393,66 @@
           </a:p>
         </p:txBody>
       </p:sp>
+      <p:pic>
+        <p:nvPicPr>
+          <p:cNvPr id="6" name="Picture 5">
+            <a:extLst>
+              <a:ext uri="{FF2B5EF4-FFF2-40B4-BE49-F238E27FC236}">
+                <a16:creationId xmlns:a16="http://schemas.microsoft.com/office/drawing/2014/main" id="{225E1F45-F059-ADC5-8D8A-3D45D945443B}"/>
+              </a:ext>
+            </a:extLst>
+          </p:cNvPr>
+          <p:cNvPicPr>
+            <a:picLocks noChangeAspect="1"/>
+          </p:cNvPicPr>
+          <p:nvPr/>
+        </p:nvPicPr>
+        <p:blipFill>
+          <a:blip r:embed="rId9"/>
+          <a:stretch>
+            <a:fillRect/>
+          </a:stretch>
+        </p:blipFill>
+        <p:spPr>
+          <a:xfrm>
+            <a:off x="5486400" y="4114800"/>
+            <a:ext cx="5486400" cy="3657600"/>
+          </a:xfrm>
+          <a:prstGeom prst="rect">
+            <a:avLst/>
+          </a:prstGeom>
+        </p:spPr>
+      </p:pic>
+      <p:pic>
+        <p:nvPicPr>
+          <p:cNvPr id="9" name="Picture 8">
+            <a:extLst>
+              <a:ext uri="{FF2B5EF4-FFF2-40B4-BE49-F238E27FC236}">
+                <a16:creationId xmlns:a16="http://schemas.microsoft.com/office/drawing/2014/main" id="{4820BE5E-922E-F8C8-3CB6-5315E8CEDC7A}"/>
+              </a:ext>
+            </a:extLst>
+          </p:cNvPr>
+          <p:cNvPicPr>
+            <a:picLocks noChangeAspect="1"/>
+          </p:cNvPicPr>
+          <p:nvPr/>
+        </p:nvPicPr>
+        <p:blipFill>
+          <a:blip r:embed="rId10"/>
+          <a:stretch>
+            <a:fillRect/>
+          </a:stretch>
+        </p:blipFill>
+        <p:spPr>
+          <a:xfrm>
+            <a:off x="5486400" y="7767935"/>
+            <a:ext cx="5486400" cy="3657600"/>
+          </a:xfrm>
+          <a:prstGeom prst="rect">
+            <a:avLst/>
+          </a:prstGeom>
+        </p:spPr>
+      </p:pic>
     </p:spTree>
     <p:extLst>
       <p:ext uri="{BB962C8B-B14F-4D97-AF65-F5344CB8AC3E}">
